--- a/docs/2019-solutions.pptx
+++ b/docs/2019-solutions.pptx
@@ -8,6 +8,10 @@
     <p:sldId id="256" r:id="rId2"/>
     <p:sldId id="257" r:id="rId3"/>
     <p:sldId id="258" r:id="rId4"/>
+    <p:sldId id="260" r:id="rId5"/>
+    <p:sldId id="259" r:id="rId6"/>
+    <p:sldId id="262" r:id="rId7"/>
+    <p:sldId id="261" r:id="rId8"/>
   </p:sldIdLst>
   <p:sldSz cx="12192000" cy="6858000"/>
   <p:notesSz cx="6858000" cy="9144000"/>
@@ -106,6 +110,11 @@
       </a:defRPr>
     </a:lvl9pPr>
   </p:defaultTextStyle>
+  <p:extLst>
+    <p:ext uri="{EFAFB233-063F-42B5-8137-9DF3F51BA10A}">
+      <p15:sldGuideLst xmlns:p15="http://schemas.microsoft.com/office/powerpoint/2012/main"/>
+    </p:ext>
+  </p:extLst>
 </p:presentation>
 </file>
 
@@ -256,7 +265,7 @@
           <a:p>
             <a:fld id="{C7557579-28C2-B942-90F7-F97BB8160C3D}" type="datetimeFigureOut">
               <a:rPr lang="en-US" smtClean="0"/>
-              <a:t>2/21/19</a:t>
+              <a:t>2/22/19</a:t>
             </a:fld>
             <a:endParaRPr lang="en-US"/>
           </a:p>
@@ -454,7 +463,7 @@
           <a:p>
             <a:fld id="{C7557579-28C2-B942-90F7-F97BB8160C3D}" type="datetimeFigureOut">
               <a:rPr lang="en-US" smtClean="0"/>
-              <a:t>2/21/19</a:t>
+              <a:t>2/22/19</a:t>
             </a:fld>
             <a:endParaRPr lang="en-US"/>
           </a:p>
@@ -662,7 +671,7 @@
           <a:p>
             <a:fld id="{C7557579-28C2-B942-90F7-F97BB8160C3D}" type="datetimeFigureOut">
               <a:rPr lang="en-US" smtClean="0"/>
-              <a:t>2/21/19</a:t>
+              <a:t>2/22/19</a:t>
             </a:fld>
             <a:endParaRPr lang="en-US"/>
           </a:p>
@@ -860,7 +869,7 @@
           <a:p>
             <a:fld id="{C7557579-28C2-B942-90F7-F97BB8160C3D}" type="datetimeFigureOut">
               <a:rPr lang="en-US" smtClean="0"/>
-              <a:t>2/21/19</a:t>
+              <a:t>2/22/19</a:t>
             </a:fld>
             <a:endParaRPr lang="en-US"/>
           </a:p>
@@ -1135,7 +1144,7 @@
           <a:p>
             <a:fld id="{C7557579-28C2-B942-90F7-F97BB8160C3D}" type="datetimeFigureOut">
               <a:rPr lang="en-US" smtClean="0"/>
-              <a:t>2/21/19</a:t>
+              <a:t>2/22/19</a:t>
             </a:fld>
             <a:endParaRPr lang="en-US"/>
           </a:p>
@@ -1400,7 +1409,7 @@
           <a:p>
             <a:fld id="{C7557579-28C2-B942-90F7-F97BB8160C3D}" type="datetimeFigureOut">
               <a:rPr lang="en-US" smtClean="0"/>
-              <a:t>2/21/19</a:t>
+              <a:t>2/22/19</a:t>
             </a:fld>
             <a:endParaRPr lang="en-US"/>
           </a:p>
@@ -1812,7 +1821,7 @@
           <a:p>
             <a:fld id="{C7557579-28C2-B942-90F7-F97BB8160C3D}" type="datetimeFigureOut">
               <a:rPr lang="en-US" smtClean="0"/>
-              <a:t>2/21/19</a:t>
+              <a:t>2/22/19</a:t>
             </a:fld>
             <a:endParaRPr lang="en-US"/>
           </a:p>
@@ -1953,7 +1962,7 @@
           <a:p>
             <a:fld id="{C7557579-28C2-B942-90F7-F97BB8160C3D}" type="datetimeFigureOut">
               <a:rPr lang="en-US" smtClean="0"/>
-              <a:t>2/21/19</a:t>
+              <a:t>2/22/19</a:t>
             </a:fld>
             <a:endParaRPr lang="en-US"/>
           </a:p>
@@ -2066,7 +2075,7 @@
           <a:p>
             <a:fld id="{C7557579-28C2-B942-90F7-F97BB8160C3D}" type="datetimeFigureOut">
               <a:rPr lang="en-US" smtClean="0"/>
-              <a:t>2/21/19</a:t>
+              <a:t>2/22/19</a:t>
             </a:fld>
             <a:endParaRPr lang="en-US"/>
           </a:p>
@@ -2377,7 +2386,7 @@
           <a:p>
             <a:fld id="{C7557579-28C2-B942-90F7-F97BB8160C3D}" type="datetimeFigureOut">
               <a:rPr lang="en-US" smtClean="0"/>
-              <a:t>2/21/19</a:t>
+              <a:t>2/22/19</a:t>
             </a:fld>
             <a:endParaRPr lang="en-US"/>
           </a:p>
@@ -2665,7 +2674,7 @@
           <a:p>
             <a:fld id="{C7557579-28C2-B942-90F7-F97BB8160C3D}" type="datetimeFigureOut">
               <a:rPr lang="en-US" smtClean="0"/>
-              <a:t>2/21/19</a:t>
+              <a:t>2/22/19</a:t>
             </a:fld>
             <a:endParaRPr lang="en-US"/>
           </a:p>
@@ -2906,7 +2915,7 @@
           <a:p>
             <a:fld id="{C7557579-28C2-B942-90F7-F97BB8160C3D}" type="datetimeFigureOut">
               <a:rPr lang="en-US" smtClean="0"/>
-              <a:t>2/21/19</a:t>
+              <a:t>2/22/19</a:t>
             </a:fld>
             <a:endParaRPr lang="en-US"/>
           </a:p>
@@ -4280,7 +4289,7 @@
           <a:p>
             <a:r>
               <a:rPr lang="en-US" dirty="0"/>
-              <a:t>P1 – Counting with Dash</a:t>
+              <a:t>P1 – Counting with Dash (Primality)</a:t>
             </a:r>
           </a:p>
         </p:txBody>
@@ -4303,17 +4312,1025 @@
         </p:nvSpPr>
         <p:spPr/>
         <p:txBody>
-          <a:bodyPr/>
-          <a:lstStyle/>
-          <a:p>
-            <a:endParaRPr lang="en-US"/>
+          <a:bodyPr>
+            <a:normAutofit fontScale="92500" lnSpcReduction="10000"/>
+          </a:bodyPr>
+          <a:lstStyle/>
+          <a:p>
+            <a:pPr marL="0" indent="0">
+              <a:buNone/>
+            </a:pPr>
+            <a:r>
+              <a:rPr lang="en-US" dirty="0"/>
+              <a:t>The main challenges here were determining whether a number was prime and whether a number was a perfect square.  Note that a number could not be both a perfect square and a prime, so there was no need to address such a situation.</a:t>
+            </a:r>
+          </a:p>
+          <a:p>
+            <a:pPr marL="0" indent="0">
+              <a:buNone/>
+            </a:pPr>
+            <a:endParaRPr lang="en-US" dirty="0"/>
+          </a:p>
+          <a:p>
+            <a:pPr marL="0" indent="0">
+              <a:buNone/>
+            </a:pPr>
+            <a:r>
+              <a:rPr lang="en-US" dirty="0"/>
+              <a:t>For determining primality, ideas that could have come in useful either for the correct answer or for efficiency:</a:t>
+            </a:r>
+          </a:p>
+          <a:p>
+            <a:r>
+              <a:rPr lang="en-US" dirty="0">
+                <a:solidFill>
+                  <a:schemeClr val="accent1"/>
+                </a:solidFill>
+              </a:rPr>
+              <a:t>Start with the only even prime as a special case and return true.</a:t>
+            </a:r>
+          </a:p>
+          <a:p>
+            <a:r>
+              <a:rPr lang="en-US" dirty="0">
+                <a:solidFill>
+                  <a:schemeClr val="accent1"/>
+                </a:solidFill>
+              </a:rPr>
+              <a:t>Return false for any other even number.</a:t>
+            </a:r>
+          </a:p>
+          <a:p>
+            <a:r>
+              <a:rPr lang="en-US" dirty="0">
+                <a:solidFill>
+                  <a:schemeClr val="accent1"/>
+                </a:solidFill>
+              </a:rPr>
+              <a:t>Iterate an index from 3 to the square root of the number and see whether the current index value evenly divided the number, returning false if it did.</a:t>
+            </a:r>
           </a:p>
         </p:txBody>
       </p:sp>
     </p:spTree>
     <p:extLst>
       <p:ext uri="{BB962C8B-B14F-4D97-AF65-F5344CB8AC3E}">
-        <p14:creationId xmlns:p14="http://schemas.microsoft.com/office/powerpoint/2010/main" val="2067058639"/>
+        <p14:creationId xmlns:p14="http://schemas.microsoft.com/office/powerpoint/2010/main" val="2092135794"/>
+      </p:ext>
+    </p:extLst>
+  </p:cSld>
+  <p:clrMapOvr>
+    <a:masterClrMapping/>
+  </p:clrMapOvr>
+</p:sld>
+</file>
+
+<file path=ppt/slides/slide4.xml><?xml version="1.0" encoding="utf-8"?>
+<p:sld xmlns:a="http://schemas.openxmlformats.org/drawingml/2006/main" xmlns:r="http://schemas.openxmlformats.org/officeDocument/2006/relationships" xmlns:p="http://schemas.openxmlformats.org/presentationml/2006/main">
+  <p:cSld>
+    <p:spTree>
+      <p:nvGrpSpPr>
+        <p:cNvPr id="1" name=""/>
+        <p:cNvGrpSpPr/>
+        <p:nvPr/>
+      </p:nvGrpSpPr>
+      <p:grpSpPr>
+        <a:xfrm>
+          <a:off x="0" y="0"/>
+          <a:ext cx="0" cy="0"/>
+          <a:chOff x="0" y="0"/>
+          <a:chExt cx="0" cy="0"/>
+        </a:xfrm>
+      </p:grpSpPr>
+      <p:sp>
+        <p:nvSpPr>
+          <p:cNvPr id="2" name="Title 1">
+            <a:extLst>
+              <a:ext uri="{FF2B5EF4-FFF2-40B4-BE49-F238E27FC236}">
+                <a16:creationId xmlns:a16="http://schemas.microsoft.com/office/drawing/2014/main" id="{4BC4AB55-7174-9C4B-9C3B-AAAE1E02C2A8}"/>
+              </a:ext>
+            </a:extLst>
+          </p:cNvPr>
+          <p:cNvSpPr>
+            <a:spLocks noGrp="1"/>
+          </p:cNvSpPr>
+          <p:nvPr>
+            <p:ph type="title"/>
+          </p:nvPr>
+        </p:nvSpPr>
+        <p:spPr/>
+        <p:txBody>
+          <a:bodyPr/>
+          <a:lstStyle/>
+          <a:p>
+            <a:r>
+              <a:rPr lang="en-US" dirty="0"/>
+              <a:t>P1 – Counting with Dash (Perfect Square)</a:t>
+            </a:r>
+          </a:p>
+        </p:txBody>
+      </p:sp>
+      <p:sp>
+        <p:nvSpPr>
+          <p:cNvPr id="3" name="Content Placeholder 2">
+            <a:extLst>
+              <a:ext uri="{FF2B5EF4-FFF2-40B4-BE49-F238E27FC236}">
+                <a16:creationId xmlns:a16="http://schemas.microsoft.com/office/drawing/2014/main" id="{EEB2340D-72D0-1149-9614-EC19B3360FEA}"/>
+              </a:ext>
+            </a:extLst>
+          </p:cNvPr>
+          <p:cNvSpPr>
+            <a:spLocks noGrp="1"/>
+          </p:cNvSpPr>
+          <p:nvPr>
+            <p:ph idx="1"/>
+          </p:nvPr>
+        </p:nvSpPr>
+        <p:spPr/>
+        <p:txBody>
+          <a:bodyPr>
+            <a:normAutofit fontScale="85000" lnSpcReduction="20000"/>
+          </a:bodyPr>
+          <a:lstStyle/>
+          <a:p>
+            <a:pPr marL="0" indent="0">
+              <a:buNone/>
+            </a:pPr>
+            <a:r>
+              <a:rPr lang="en-US" dirty="0"/>
+              <a:t>For determining whether a number was a perfect square, the key question is whether the square root of the number is itself an integer.</a:t>
+            </a:r>
+          </a:p>
+          <a:p>
+            <a:pPr marL="0" indent="0">
+              <a:buNone/>
+            </a:pPr>
+            <a:endParaRPr lang="en-US" dirty="0"/>
+          </a:p>
+          <a:p>
+            <a:pPr marL="0" indent="0">
+              <a:buNone/>
+            </a:pPr>
+            <a:r>
+              <a:rPr lang="en-US" dirty="0"/>
+              <a:t>It might be tempting to use a test such as:</a:t>
+            </a:r>
+          </a:p>
+          <a:p>
+            <a:pPr marL="457200" lvl="1" indent="0">
+              <a:buNone/>
+            </a:pPr>
+            <a:r>
+              <a:rPr lang="en-US" dirty="0">
+                <a:solidFill>
+                  <a:schemeClr val="accent1"/>
+                </a:solidFill>
+                <a:latin typeface="Courier" pitchFamily="2" charset="0"/>
+              </a:rPr>
+              <a:t>double </a:t>
+            </a:r>
+            <a:r>
+              <a:rPr lang="en-US" dirty="0" err="1">
+                <a:solidFill>
+                  <a:schemeClr val="accent1"/>
+                </a:solidFill>
+                <a:latin typeface="Courier" pitchFamily="2" charset="0"/>
+              </a:rPr>
+              <a:t>sqrt</a:t>
+            </a:r>
+            <a:r>
+              <a:rPr lang="en-US" dirty="0">
+                <a:solidFill>
+                  <a:schemeClr val="accent1"/>
+                </a:solidFill>
+                <a:latin typeface="Courier" pitchFamily="2" charset="0"/>
+              </a:rPr>
+              <a:t> = </a:t>
+            </a:r>
+            <a:r>
+              <a:rPr lang="en-US" dirty="0" err="1">
+                <a:solidFill>
+                  <a:schemeClr val="accent1"/>
+                </a:solidFill>
+                <a:latin typeface="Courier" pitchFamily="2" charset="0"/>
+              </a:rPr>
+              <a:t>Math.sqrt</a:t>
+            </a:r>
+            <a:r>
+              <a:rPr lang="en-US" dirty="0">
+                <a:solidFill>
+                  <a:schemeClr val="accent1"/>
+                </a:solidFill>
+                <a:latin typeface="Courier" pitchFamily="2" charset="0"/>
+              </a:rPr>
+              <a:t>(</a:t>
+            </a:r>
+            <a:r>
+              <a:rPr lang="en-US" dirty="0" err="1">
+                <a:solidFill>
+                  <a:schemeClr val="accent1"/>
+                </a:solidFill>
+                <a:latin typeface="Courier" pitchFamily="2" charset="0"/>
+              </a:rPr>
+              <a:t>num</a:t>
+            </a:r>
+            <a:r>
+              <a:rPr lang="en-US" dirty="0">
+                <a:solidFill>
+                  <a:schemeClr val="accent1"/>
+                </a:solidFill>
+                <a:latin typeface="Courier" pitchFamily="2" charset="0"/>
+              </a:rPr>
+              <a:t>);</a:t>
+            </a:r>
+          </a:p>
+          <a:p>
+            <a:pPr marL="457200" lvl="1" indent="0">
+              <a:buNone/>
+            </a:pPr>
+            <a:r>
+              <a:rPr lang="en-US" dirty="0">
+                <a:solidFill>
+                  <a:schemeClr val="accent1"/>
+                </a:solidFill>
+                <a:latin typeface="Courier" pitchFamily="2" charset="0"/>
+              </a:rPr>
+              <a:t>return </a:t>
+            </a:r>
+            <a:r>
+              <a:rPr lang="en-US" dirty="0" err="1">
+                <a:solidFill>
+                  <a:schemeClr val="accent1"/>
+                </a:solidFill>
+                <a:latin typeface="Courier" pitchFamily="2" charset="0"/>
+              </a:rPr>
+              <a:t>sqrt</a:t>
+            </a:r>
+            <a:r>
+              <a:rPr lang="en-US" dirty="0">
+                <a:solidFill>
+                  <a:schemeClr val="accent1"/>
+                </a:solidFill>
+                <a:latin typeface="Courier" pitchFamily="2" charset="0"/>
+              </a:rPr>
+              <a:t> == (long)</a:t>
+            </a:r>
+            <a:r>
+              <a:rPr lang="en-US" dirty="0" err="1">
+                <a:solidFill>
+                  <a:schemeClr val="accent1"/>
+                </a:solidFill>
+                <a:latin typeface="Courier" pitchFamily="2" charset="0"/>
+              </a:rPr>
+              <a:t>sqrt</a:t>
+            </a:r>
+            <a:r>
+              <a:rPr lang="en-US" dirty="0">
+                <a:solidFill>
+                  <a:schemeClr val="accent1"/>
+                </a:solidFill>
+                <a:latin typeface="Courier" pitchFamily="2" charset="0"/>
+              </a:rPr>
+              <a:t>;</a:t>
+            </a:r>
+          </a:p>
+          <a:p>
+            <a:pPr marL="0" indent="0">
+              <a:buNone/>
+            </a:pPr>
+            <a:r>
+              <a:rPr lang="en-US" dirty="0"/>
+              <a:t>however, due to precision issues with floating point numbers, that might not always return the correct answer.</a:t>
+            </a:r>
+          </a:p>
+          <a:p>
+            <a:pPr marL="0" indent="0">
+              <a:buNone/>
+            </a:pPr>
+            <a:endParaRPr lang="en-US" dirty="0"/>
+          </a:p>
+          <a:p>
+            <a:pPr marL="0" indent="0">
+              <a:buNone/>
+            </a:pPr>
+            <a:r>
+              <a:rPr lang="en-US" dirty="0"/>
+              <a:t>We could instead use something such as:</a:t>
+            </a:r>
+          </a:p>
+          <a:p>
+            <a:pPr marL="457200" lvl="1" indent="0">
+              <a:buNone/>
+            </a:pPr>
+            <a:r>
+              <a:rPr lang="en-US" dirty="0">
+                <a:solidFill>
+                  <a:schemeClr val="accent1"/>
+                </a:solidFill>
+                <a:latin typeface="Courier" pitchFamily="2" charset="0"/>
+              </a:rPr>
+              <a:t>long </a:t>
+            </a:r>
+            <a:r>
+              <a:rPr lang="en-US" dirty="0" err="1">
+                <a:solidFill>
+                  <a:schemeClr val="accent1"/>
+                </a:solidFill>
+                <a:latin typeface="Courier" pitchFamily="2" charset="0"/>
+              </a:rPr>
+              <a:t>sqrtVal</a:t>
+            </a:r>
+            <a:r>
+              <a:rPr lang="en-US" dirty="0">
+                <a:solidFill>
+                  <a:schemeClr val="accent1"/>
+                </a:solidFill>
+                <a:latin typeface="Courier" pitchFamily="2" charset="0"/>
+              </a:rPr>
+              <a:t> = (long)(</a:t>
+            </a:r>
+            <a:r>
+              <a:rPr lang="en-US" dirty="0" err="1">
+                <a:solidFill>
+                  <a:schemeClr val="accent1"/>
+                </a:solidFill>
+                <a:latin typeface="Courier" pitchFamily="2" charset="0"/>
+              </a:rPr>
+              <a:t>Math.sqrt</a:t>
+            </a:r>
+            <a:r>
+              <a:rPr lang="en-US" dirty="0">
+                <a:solidFill>
+                  <a:schemeClr val="accent1"/>
+                </a:solidFill>
+                <a:latin typeface="Courier" pitchFamily="2" charset="0"/>
+              </a:rPr>
+              <a:t>(</a:t>
+            </a:r>
+            <a:r>
+              <a:rPr lang="en-US" dirty="0" err="1">
+                <a:solidFill>
+                  <a:schemeClr val="accent1"/>
+                </a:solidFill>
+                <a:latin typeface="Courier" pitchFamily="2" charset="0"/>
+              </a:rPr>
+              <a:t>num</a:t>
+            </a:r>
+            <a:r>
+              <a:rPr lang="en-US" dirty="0">
+                <a:solidFill>
+                  <a:schemeClr val="accent1"/>
+                </a:solidFill>
+                <a:latin typeface="Courier" pitchFamily="2" charset="0"/>
+              </a:rPr>
+              <a:t>));</a:t>
+            </a:r>
+          </a:p>
+          <a:p>
+            <a:pPr marL="457200" lvl="1" indent="0">
+              <a:buNone/>
+            </a:pPr>
+            <a:r>
+              <a:rPr lang="en-US" dirty="0">
+                <a:solidFill>
+                  <a:schemeClr val="accent1"/>
+                </a:solidFill>
+                <a:latin typeface="Courier" pitchFamily="2" charset="0"/>
+              </a:rPr>
+              <a:t>return (</a:t>
+            </a:r>
+            <a:r>
+              <a:rPr lang="en-US" dirty="0" err="1">
+                <a:solidFill>
+                  <a:schemeClr val="accent1"/>
+                </a:solidFill>
+                <a:latin typeface="Courier" pitchFamily="2" charset="0"/>
+              </a:rPr>
+              <a:t>sqrtVal</a:t>
+            </a:r>
+            <a:r>
+              <a:rPr lang="en-US" dirty="0">
+                <a:solidFill>
+                  <a:schemeClr val="accent1"/>
+                </a:solidFill>
+                <a:latin typeface="Courier" pitchFamily="2" charset="0"/>
+              </a:rPr>
+              <a:t>*</a:t>
+            </a:r>
+            <a:r>
+              <a:rPr lang="en-US" dirty="0" err="1">
+                <a:solidFill>
+                  <a:schemeClr val="accent1"/>
+                </a:solidFill>
+                <a:latin typeface="Courier" pitchFamily="2" charset="0"/>
+              </a:rPr>
+              <a:t>sqrtVal</a:t>
+            </a:r>
+            <a:r>
+              <a:rPr lang="en-US" dirty="0">
+                <a:solidFill>
+                  <a:schemeClr val="accent1"/>
+                </a:solidFill>
+                <a:latin typeface="Courier" pitchFamily="2" charset="0"/>
+              </a:rPr>
+              <a:t>) == </a:t>
+            </a:r>
+            <a:r>
+              <a:rPr lang="en-US" dirty="0" err="1">
+                <a:solidFill>
+                  <a:schemeClr val="accent1"/>
+                </a:solidFill>
+                <a:latin typeface="Courier" pitchFamily="2" charset="0"/>
+              </a:rPr>
+              <a:t>num</a:t>
+            </a:r>
+            <a:r>
+              <a:rPr lang="en-US" dirty="0">
+                <a:solidFill>
+                  <a:schemeClr val="accent1"/>
+                </a:solidFill>
+                <a:latin typeface="Courier" pitchFamily="2" charset="0"/>
+              </a:rPr>
+              <a:t>;</a:t>
+            </a:r>
+          </a:p>
+          <a:p>
+            <a:pPr marL="0" indent="0">
+              <a:buNone/>
+            </a:pPr>
+            <a:r>
+              <a:rPr lang="en-US" dirty="0"/>
+              <a:t>to avoid issues with floating point values.</a:t>
+            </a:r>
+          </a:p>
+        </p:txBody>
+      </p:sp>
+    </p:spTree>
+    <p:extLst>
+      <p:ext uri="{BB962C8B-B14F-4D97-AF65-F5344CB8AC3E}">
+        <p14:creationId xmlns:p14="http://schemas.microsoft.com/office/powerpoint/2010/main" val="1774597465"/>
+      </p:ext>
+    </p:extLst>
+  </p:cSld>
+  <p:clrMapOvr>
+    <a:masterClrMapping/>
+  </p:clrMapOvr>
+</p:sld>
+</file>
+
+<file path=ppt/slides/slide5.xml><?xml version="1.0" encoding="utf-8"?>
+<p:sld xmlns:a="http://schemas.openxmlformats.org/drawingml/2006/main" xmlns:r="http://schemas.openxmlformats.org/officeDocument/2006/relationships" xmlns:p="http://schemas.openxmlformats.org/presentationml/2006/main">
+  <p:cSld>
+    <p:spTree>
+      <p:nvGrpSpPr>
+        <p:cNvPr id="1" name=""/>
+        <p:cNvGrpSpPr/>
+        <p:nvPr/>
+      </p:nvGrpSpPr>
+      <p:grpSpPr>
+        <a:xfrm>
+          <a:off x="0" y="0"/>
+          <a:ext cx="0" cy="0"/>
+          <a:chOff x="0" y="0"/>
+          <a:chExt cx="0" cy="0"/>
+        </a:xfrm>
+      </p:grpSpPr>
+      <p:sp>
+        <p:nvSpPr>
+          <p:cNvPr id="2" name="Title 1">
+            <a:extLst>
+              <a:ext uri="{FF2B5EF4-FFF2-40B4-BE49-F238E27FC236}">
+                <a16:creationId xmlns:a16="http://schemas.microsoft.com/office/drawing/2014/main" id="{4BC4AB55-7174-9C4B-9C3B-AAAE1E02C2A8}"/>
+              </a:ext>
+            </a:extLst>
+          </p:cNvPr>
+          <p:cNvSpPr>
+            <a:spLocks noGrp="1"/>
+          </p:cNvSpPr>
+          <p:nvPr>
+            <p:ph type="title"/>
+          </p:nvPr>
+        </p:nvSpPr>
+        <p:spPr/>
+        <p:txBody>
+          <a:bodyPr/>
+          <a:lstStyle/>
+          <a:p>
+            <a:r>
+              <a:rPr lang="en-US" dirty="0"/>
+              <a:t>P2 – Counting with Jack-Jack</a:t>
+            </a:r>
+          </a:p>
+        </p:txBody>
+      </p:sp>
+      <p:sp>
+        <p:nvSpPr>
+          <p:cNvPr id="3" name="Content Placeholder 2">
+            <a:extLst>
+              <a:ext uri="{FF2B5EF4-FFF2-40B4-BE49-F238E27FC236}">
+                <a16:creationId xmlns:a16="http://schemas.microsoft.com/office/drawing/2014/main" id="{EEB2340D-72D0-1149-9614-EC19B3360FEA}"/>
+              </a:ext>
+            </a:extLst>
+          </p:cNvPr>
+          <p:cNvSpPr>
+            <a:spLocks noGrp="1"/>
+          </p:cNvSpPr>
+          <p:nvPr>
+            <p:ph idx="1"/>
+          </p:nvPr>
+        </p:nvSpPr>
+        <p:spPr>
+          <a:xfrm>
+            <a:off x="838200" y="1825625"/>
+            <a:ext cx="10515600" cy="4814326"/>
+          </a:xfrm>
+        </p:spPr>
+        <p:txBody>
+          <a:bodyPr>
+            <a:normAutofit fontScale="85000" lnSpcReduction="20000"/>
+          </a:bodyPr>
+          <a:lstStyle/>
+          <a:p>
+            <a:pPr marL="0" indent="0">
+              <a:buNone/>
+            </a:pPr>
+            <a:r>
+              <a:rPr lang="en-US" dirty="0"/>
+              <a:t>A challenge here was structuring the logic to handle numbers that were divisible by both 4 and 5.  Such numbers would be divisible by 20.  </a:t>
+            </a:r>
+          </a:p>
+          <a:p>
+            <a:pPr marL="457200" lvl="1" indent="0">
+              <a:buNone/>
+            </a:pPr>
+            <a:r>
+              <a:rPr lang="en-US" dirty="0">
+                <a:solidFill>
+                  <a:schemeClr val="accent1"/>
+                </a:solidFill>
+                <a:latin typeface="Courier" pitchFamily="2" charset="0"/>
+              </a:rPr>
+              <a:t>if (i%20 == 0) answer+="</a:t>
+            </a:r>
+            <a:r>
+              <a:rPr lang="en-US" dirty="0" err="1">
+                <a:solidFill>
+                  <a:schemeClr val="accent1"/>
+                </a:solidFill>
+                <a:latin typeface="Courier" pitchFamily="2" charset="0"/>
+              </a:rPr>
+              <a:t>FamFro</a:t>
+            </a:r>
+            <a:r>
+              <a:rPr lang="en-US" dirty="0">
+                <a:solidFill>
+                  <a:schemeClr val="accent1"/>
+                </a:solidFill>
+                <a:latin typeface="Courier" pitchFamily="2" charset="0"/>
+              </a:rPr>
+              <a:t>";</a:t>
+            </a:r>
+          </a:p>
+          <a:p>
+            <a:pPr marL="457200" lvl="1" indent="0">
+              <a:buNone/>
+            </a:pPr>
+            <a:r>
+              <a:rPr lang="en-US" dirty="0">
+                <a:solidFill>
+                  <a:schemeClr val="accent1"/>
+                </a:solidFill>
+                <a:latin typeface="Courier" pitchFamily="2" charset="0"/>
+              </a:rPr>
+              <a:t>else if (i%4 == 0) answer+="Fam";</a:t>
+            </a:r>
+          </a:p>
+          <a:p>
+            <a:pPr marL="457200" lvl="1" indent="0">
+              <a:buNone/>
+            </a:pPr>
+            <a:r>
+              <a:rPr lang="en-US" dirty="0">
+                <a:solidFill>
+                  <a:schemeClr val="accent1"/>
+                </a:solidFill>
+                <a:latin typeface="Courier" pitchFamily="2" charset="0"/>
+              </a:rPr>
+              <a:t>else if (i%5 == 0) answer+="Fro";</a:t>
+            </a:r>
+          </a:p>
+          <a:p>
+            <a:pPr marL="457200" lvl="1" indent="0">
+              <a:buNone/>
+            </a:pPr>
+            <a:r>
+              <a:rPr lang="en-US" dirty="0">
+                <a:solidFill>
+                  <a:schemeClr val="accent1"/>
+                </a:solidFill>
+                <a:latin typeface="Courier" pitchFamily="2" charset="0"/>
+              </a:rPr>
+              <a:t>else answer+=</a:t>
+            </a:r>
+            <a:r>
+              <a:rPr lang="en-US" dirty="0" err="1">
+                <a:solidFill>
+                  <a:schemeClr val="accent1"/>
+                </a:solidFill>
+                <a:latin typeface="Courier" pitchFamily="2" charset="0"/>
+              </a:rPr>
+              <a:t>i</a:t>
+            </a:r>
+            <a:r>
+              <a:rPr lang="en-US" dirty="0">
+                <a:solidFill>
+                  <a:schemeClr val="accent1"/>
+                </a:solidFill>
+                <a:latin typeface="Courier" pitchFamily="2" charset="0"/>
+              </a:rPr>
+              <a:t>;</a:t>
+            </a:r>
+          </a:p>
+          <a:p>
+            <a:pPr marL="0" indent="0">
+              <a:buNone/>
+            </a:pPr>
+            <a:endParaRPr lang="en-US" dirty="0"/>
+          </a:p>
+          <a:p>
+            <a:pPr marL="0" indent="0">
+              <a:buNone/>
+            </a:pPr>
+            <a:r>
+              <a:rPr lang="en-US" dirty="0"/>
+              <a:t>Asking the “4” and “5” questions in advance allows testing if a value is divisible by neither, then testing the other two as non-filtering steps.</a:t>
+            </a:r>
+          </a:p>
+          <a:p>
+            <a:pPr marL="457200" lvl="1" indent="0">
+              <a:buNone/>
+            </a:pPr>
+            <a:r>
+              <a:rPr lang="en-US" dirty="0" err="1">
+                <a:solidFill>
+                  <a:schemeClr val="accent1"/>
+                </a:solidFill>
+                <a:latin typeface="Courier" pitchFamily="2" charset="0"/>
+              </a:rPr>
+              <a:t>boolean</a:t>
+            </a:r>
+            <a:r>
+              <a:rPr lang="en-US" dirty="0">
+                <a:solidFill>
+                  <a:schemeClr val="accent1"/>
+                </a:solidFill>
+                <a:latin typeface="Courier" pitchFamily="2" charset="0"/>
+              </a:rPr>
+              <a:t> divBy4 = (i%4)==0;</a:t>
+            </a:r>
+          </a:p>
+          <a:p>
+            <a:pPr marL="457200" lvl="1" indent="0">
+              <a:buNone/>
+            </a:pPr>
+            <a:r>
+              <a:rPr lang="en-US" dirty="0" err="1">
+                <a:solidFill>
+                  <a:schemeClr val="accent1"/>
+                </a:solidFill>
+                <a:latin typeface="Courier" pitchFamily="2" charset="0"/>
+              </a:rPr>
+              <a:t>boolean</a:t>
+            </a:r>
+            <a:r>
+              <a:rPr lang="en-US" dirty="0">
+                <a:solidFill>
+                  <a:schemeClr val="accent1"/>
+                </a:solidFill>
+                <a:latin typeface="Courier" pitchFamily="2" charset="0"/>
+              </a:rPr>
+              <a:t> divBy5 = (i%5)==0;</a:t>
+            </a:r>
+          </a:p>
+          <a:p>
+            <a:pPr marL="457200" lvl="1" indent="0">
+              <a:buNone/>
+            </a:pPr>
+            <a:r>
+              <a:rPr lang="en-US" dirty="0">
+                <a:solidFill>
+                  <a:schemeClr val="accent1"/>
+                </a:solidFill>
+                <a:latin typeface="Courier" pitchFamily="2" charset="0"/>
+              </a:rPr>
+              <a:t>if (!divBy4 &amp;&amp; !divBy5) answer+=</a:t>
+            </a:r>
+            <a:r>
+              <a:rPr lang="en-US" dirty="0" err="1">
+                <a:solidFill>
+                  <a:schemeClr val="accent1"/>
+                </a:solidFill>
+                <a:latin typeface="Courier" pitchFamily="2" charset="0"/>
+              </a:rPr>
+              <a:t>i</a:t>
+            </a:r>
+            <a:r>
+              <a:rPr lang="en-US" dirty="0">
+                <a:solidFill>
+                  <a:schemeClr val="accent1"/>
+                </a:solidFill>
+                <a:latin typeface="Courier" pitchFamily="2" charset="0"/>
+              </a:rPr>
+              <a:t>;</a:t>
+            </a:r>
+          </a:p>
+          <a:p>
+            <a:pPr marL="457200" lvl="1" indent="0">
+              <a:buNone/>
+            </a:pPr>
+            <a:r>
+              <a:rPr lang="en-US" dirty="0">
+                <a:solidFill>
+                  <a:schemeClr val="accent1"/>
+                </a:solidFill>
+                <a:latin typeface="Courier" pitchFamily="2" charset="0"/>
+              </a:rPr>
+              <a:t>else {</a:t>
+            </a:r>
+          </a:p>
+          <a:p>
+            <a:pPr marL="457200" lvl="1" indent="0">
+              <a:buNone/>
+            </a:pPr>
+            <a:r>
+              <a:rPr lang="en-US" dirty="0">
+                <a:solidFill>
+                  <a:schemeClr val="accent1"/>
+                </a:solidFill>
+                <a:latin typeface="Courier" pitchFamily="2" charset="0"/>
+              </a:rPr>
+              <a:t>    if (divBy4) answer+="Fam";</a:t>
+            </a:r>
+          </a:p>
+          <a:p>
+            <a:pPr marL="457200" lvl="1" indent="0">
+              <a:buNone/>
+            </a:pPr>
+            <a:r>
+              <a:rPr lang="en-US" dirty="0">
+                <a:solidFill>
+                  <a:schemeClr val="accent1"/>
+                </a:solidFill>
+                <a:latin typeface="Courier" pitchFamily="2" charset="0"/>
+              </a:rPr>
+              <a:t>    if (divBy5) answer+="Fro";</a:t>
+            </a:r>
+          </a:p>
+          <a:p>
+            <a:pPr marL="457200" lvl="1" indent="0">
+              <a:buNone/>
+            </a:pPr>
+            <a:r>
+              <a:rPr lang="en-US" dirty="0">
+                <a:solidFill>
+                  <a:schemeClr val="accent1"/>
+                </a:solidFill>
+                <a:latin typeface="Courier" pitchFamily="2" charset="0"/>
+              </a:rPr>
+              <a:t>}</a:t>
+            </a:r>
+          </a:p>
+        </p:txBody>
+      </p:sp>
+    </p:spTree>
+    <p:extLst>
+      <p:ext uri="{BB962C8B-B14F-4D97-AF65-F5344CB8AC3E}">
+        <p14:creationId xmlns:p14="http://schemas.microsoft.com/office/powerpoint/2010/main" val="2877165445"/>
+      </p:ext>
+    </p:extLst>
+  </p:cSld>
+  <p:clrMapOvr>
+    <a:masterClrMapping/>
+  </p:clrMapOvr>
+</p:sld>
+</file>
+
+<file path=ppt/slides/slide6.xml><?xml version="1.0" encoding="utf-8"?>
+<p:sld xmlns:a="http://schemas.openxmlformats.org/drawingml/2006/main" xmlns:r="http://schemas.openxmlformats.org/officeDocument/2006/relationships" xmlns:p="http://schemas.openxmlformats.org/presentationml/2006/main">
+  <p:cSld>
+    <p:spTree>
+      <p:nvGrpSpPr>
+        <p:cNvPr id="1" name=""/>
+        <p:cNvGrpSpPr/>
+        <p:nvPr/>
+      </p:nvGrpSpPr>
+      <p:grpSpPr>
+        <a:xfrm>
+          <a:off x="0" y="0"/>
+          <a:ext cx="0" cy="0"/>
+          <a:chOff x="0" y="0"/>
+          <a:chExt cx="0" cy="0"/>
+        </a:xfrm>
+      </p:grpSpPr>
+      <p:sp>
+        <p:nvSpPr>
+          <p:cNvPr id="2" name="Title 1">
+            <a:extLst>
+              <a:ext uri="{FF2B5EF4-FFF2-40B4-BE49-F238E27FC236}">
+                <a16:creationId xmlns:a16="http://schemas.microsoft.com/office/drawing/2014/main" id="{E96EF733-BF15-094D-9848-0CBE59F0D9E5}"/>
+              </a:ext>
+            </a:extLst>
+          </p:cNvPr>
+          <p:cNvSpPr>
+            <a:spLocks noGrp="1"/>
+          </p:cNvSpPr>
+          <p:nvPr>
+            <p:ph type="title"/>
+          </p:nvPr>
+        </p:nvSpPr>
+        <p:spPr/>
+        <p:txBody>
+          <a:bodyPr/>
+          <a:lstStyle/>
+          <a:p>
+            <a:r>
+              <a:rPr lang="en-US" dirty="0"/>
+              <a:t>P3 – Spiraling out of -- or into! -- Control</a:t>
+            </a:r>
+          </a:p>
+        </p:txBody>
+      </p:sp>
+      <p:sp>
+        <p:nvSpPr>
+          <p:cNvPr id="3" name="Content Placeholder 2">
+            <a:extLst>
+              <a:ext uri="{FF2B5EF4-FFF2-40B4-BE49-F238E27FC236}">
+                <a16:creationId xmlns:a16="http://schemas.microsoft.com/office/drawing/2014/main" id="{532E1205-896D-0B41-BEF9-777BD9BE90B7}"/>
+              </a:ext>
+            </a:extLst>
+          </p:cNvPr>
+          <p:cNvSpPr>
+            <a:spLocks noGrp="1"/>
+          </p:cNvSpPr>
+          <p:nvPr>
+            <p:ph idx="1"/>
+          </p:nvPr>
+        </p:nvSpPr>
+        <p:spPr/>
+        <p:txBody>
+          <a:bodyPr/>
+          <a:lstStyle/>
+          <a:p>
+            <a:endParaRPr lang="en-US"/>
+          </a:p>
+        </p:txBody>
+      </p:sp>
+    </p:spTree>
+    <p:extLst>
+      <p:ext uri="{BB962C8B-B14F-4D97-AF65-F5344CB8AC3E}">
+        <p14:creationId xmlns:p14="http://schemas.microsoft.com/office/powerpoint/2010/main" val="1607199958"/>
+      </p:ext>
+    </p:extLst>
+  </p:cSld>
+  <p:clrMapOvr>
+    <a:masterClrMapping/>
+  </p:clrMapOvr>
+</p:sld>
+</file>
+
+<file path=ppt/slides/slide7.xml><?xml version="1.0" encoding="utf-8"?>
+<p:sld xmlns:a="http://schemas.openxmlformats.org/drawingml/2006/main" xmlns:r="http://schemas.openxmlformats.org/officeDocument/2006/relationships" xmlns:p="http://schemas.openxmlformats.org/presentationml/2006/main">
+  <p:cSld>
+    <p:spTree>
+      <p:nvGrpSpPr>
+        <p:cNvPr id="1" name=""/>
+        <p:cNvGrpSpPr/>
+        <p:nvPr/>
+      </p:nvGrpSpPr>
+      <p:grpSpPr>
+        <a:xfrm>
+          <a:off x="0" y="0"/>
+          <a:ext cx="0" cy="0"/>
+          <a:chOff x="0" y="0"/>
+          <a:chExt cx="0" cy="0"/>
+        </a:xfrm>
+      </p:grpSpPr>
+      <p:sp>
+        <p:nvSpPr>
+          <p:cNvPr id="2" name="Title 1"/>
+          <p:cNvSpPr>
+            <a:spLocks noGrp="1"/>
+          </p:cNvSpPr>
+          <p:nvPr>
+            <p:ph type="title"/>
+          </p:nvPr>
+        </p:nvSpPr>
+        <p:spPr/>
+        <p:txBody>
+          <a:bodyPr/>
+          <a:lstStyle/>
+          <a:p>
+            <a:r>
+              <a:rPr lang="en-US" dirty="0"/>
+              <a:t>P4 – </a:t>
+            </a:r>
+            <a:r>
+              <a:rPr lang="en-US" dirty="0" err="1"/>
+              <a:t>ScreenSlaver</a:t>
+            </a:r>
+            <a:r>
+              <a:rPr lang="en-US" dirty="0"/>
+              <a:t> Detection</a:t>
+            </a:r>
+          </a:p>
+        </p:txBody>
+      </p:sp>
+      <p:sp>
+        <p:nvSpPr>
+          <p:cNvPr id="3" name="Content Placeholder 2"/>
+          <p:cNvSpPr>
+            <a:spLocks noGrp="1"/>
+          </p:cNvSpPr>
+          <p:nvPr>
+            <p:ph idx="1"/>
+          </p:nvPr>
+        </p:nvSpPr>
+        <p:spPr/>
+        <p:txBody>
+          <a:bodyPr>
+            <a:normAutofit fontScale="85000" lnSpcReduction="20000"/>
+          </a:bodyPr>
+          <a:lstStyle/>
+          <a:p>
+            <a:pPr marL="0" indent="0">
+              <a:buNone/>
+            </a:pPr>
+            <a:r>
+              <a:rPr lang="en-US" dirty="0"/>
+              <a:t>A methodical approach to this problem was to read in all of the rectangle bounding box coordinate information, and then iterating through the list of silver rectangles.  While iterating through those, for each silver rectangle you iterate through the list of pink rectangles.  </a:t>
+            </a:r>
+          </a:p>
+          <a:p>
+            <a:pPr marL="0" indent="0">
+              <a:buNone/>
+            </a:pPr>
+            <a:endParaRPr lang="en-US" dirty="0"/>
+          </a:p>
+          <a:p>
+            <a:pPr marL="0" indent="0">
+              <a:buNone/>
+            </a:pPr>
+            <a:r>
+              <a:rPr lang="en-US" dirty="0"/>
+              <a:t>For each pink rectangle, testing whether it is contained within the currently chosen silver rectangle is a matter of determining whether all of the following were true of the X,Y coordinates:</a:t>
+            </a:r>
+          </a:p>
+          <a:p>
+            <a:r>
+              <a:rPr lang="en-US" dirty="0">
+                <a:solidFill>
+                  <a:schemeClr val="accent1"/>
+                </a:solidFill>
+              </a:rPr>
+              <a:t>The upper-left X of the silver was less than the upper-left X of the pink.</a:t>
+            </a:r>
+          </a:p>
+          <a:p>
+            <a:r>
+              <a:rPr lang="en-US" dirty="0">
+                <a:solidFill>
+                  <a:schemeClr val="accent1"/>
+                </a:solidFill>
+              </a:rPr>
+              <a:t>The upper-left Y of the silver was less than the upper-left Y of the pink.</a:t>
+            </a:r>
+          </a:p>
+          <a:p>
+            <a:r>
+              <a:rPr lang="en-US" dirty="0">
+                <a:solidFill>
+                  <a:schemeClr val="accent1"/>
+                </a:solidFill>
+              </a:rPr>
+              <a:t>The lower-right X of the silver was greater than the lower-right X of the pink.</a:t>
+            </a:r>
+          </a:p>
+          <a:p>
+            <a:r>
+              <a:rPr lang="en-US" dirty="0">
+                <a:solidFill>
+                  <a:schemeClr val="accent1"/>
+                </a:solidFill>
+              </a:rPr>
+              <a:t>The lower-right Y of the silver was greater than the lower-right Y of the pink.</a:t>
+            </a:r>
+          </a:p>
+        </p:txBody>
+      </p:sp>
+    </p:spTree>
+    <p:extLst>
+      <p:ext uri="{BB962C8B-B14F-4D97-AF65-F5344CB8AC3E}">
+        <p14:creationId xmlns:p14="http://schemas.microsoft.com/office/powerpoint/2010/main" val="1613427825"/>
       </p:ext>
     </p:extLst>
   </p:cSld>
